--- a/doc/Landing page image - before.pptx
+++ b/doc/Landing page image - before.pptx
@@ -6,7 +6,8 @@
   </p:sldMasterIdLst>
   <p:sldIdLst>
     <p:sldId id="257" r:id="rId2"/>
-    <p:sldId id="258" r:id="rId3"/>
+    <p:sldId id="259" r:id="rId3"/>
+    <p:sldId id="258" r:id="rId4"/>
   </p:sldIdLst>
   <p:sldSz cx="9144000" cy="6858000" type="screen4x3"/>
   <p:notesSz cx="6858000" cy="9144000"/>
@@ -290,7 +291,7 @@
             <a:fld id="{1D8BD707-D9CF-40AE-B4C6-C98DA3205C09}" type="datetimeFigureOut">
               <a:rPr lang="en-US" smtClean="0"/>
               <a:pPr/>
-              <a:t>12/14/2013</a:t>
+              <a:t>12/24/2013</a:t>
             </a:fld>
             <a:endParaRPr lang="en-US"/>
           </a:p>
@@ -462,7 +463,7 @@
             <a:fld id="{1D8BD707-D9CF-40AE-B4C6-C98DA3205C09}" type="datetimeFigureOut">
               <a:rPr lang="en-US" smtClean="0"/>
               <a:pPr/>
-              <a:t>12/14/2013</a:t>
+              <a:t>12/24/2013</a:t>
             </a:fld>
             <a:endParaRPr lang="en-US"/>
           </a:p>
@@ -644,7 +645,7 @@
             <a:fld id="{1D8BD707-D9CF-40AE-B4C6-C98DA3205C09}" type="datetimeFigureOut">
               <a:rPr lang="en-US" smtClean="0"/>
               <a:pPr/>
-              <a:t>12/14/2013</a:t>
+              <a:t>12/24/2013</a:t>
             </a:fld>
             <a:endParaRPr lang="en-US"/>
           </a:p>
@@ -816,7 +817,7 @@
             <a:fld id="{1D8BD707-D9CF-40AE-B4C6-C98DA3205C09}" type="datetimeFigureOut">
               <a:rPr lang="en-US" smtClean="0"/>
               <a:pPr/>
-              <a:t>12/14/2013</a:t>
+              <a:t>12/24/2013</a:t>
             </a:fld>
             <a:endParaRPr lang="en-US"/>
           </a:p>
@@ -1064,7 +1065,7 @@
             <a:fld id="{1D8BD707-D9CF-40AE-B4C6-C98DA3205C09}" type="datetimeFigureOut">
               <a:rPr lang="en-US" smtClean="0"/>
               <a:pPr/>
-              <a:t>12/14/2013</a:t>
+              <a:t>12/24/2013</a:t>
             </a:fld>
             <a:endParaRPr lang="en-US"/>
           </a:p>
@@ -1354,7 +1355,7 @@
             <a:fld id="{1D8BD707-D9CF-40AE-B4C6-C98DA3205C09}" type="datetimeFigureOut">
               <a:rPr lang="en-US" smtClean="0"/>
               <a:pPr/>
-              <a:t>12/14/2013</a:t>
+              <a:t>12/24/2013</a:t>
             </a:fld>
             <a:endParaRPr lang="en-US"/>
           </a:p>
@@ -1778,7 +1779,7 @@
             <a:fld id="{1D8BD707-D9CF-40AE-B4C6-C98DA3205C09}" type="datetimeFigureOut">
               <a:rPr lang="en-US" smtClean="0"/>
               <a:pPr/>
-              <a:t>12/14/2013</a:t>
+              <a:t>12/24/2013</a:t>
             </a:fld>
             <a:endParaRPr lang="en-US"/>
           </a:p>
@@ -1898,7 +1899,7 @@
             <a:fld id="{1D8BD707-D9CF-40AE-B4C6-C98DA3205C09}" type="datetimeFigureOut">
               <a:rPr lang="en-US" smtClean="0"/>
               <a:pPr/>
-              <a:t>12/14/2013</a:t>
+              <a:t>12/24/2013</a:t>
             </a:fld>
             <a:endParaRPr lang="en-US"/>
           </a:p>
@@ -1995,7 +1996,7 @@
             <a:fld id="{1D8BD707-D9CF-40AE-B4C6-C98DA3205C09}" type="datetimeFigureOut">
               <a:rPr lang="en-US" smtClean="0"/>
               <a:pPr/>
-              <a:t>12/14/2013</a:t>
+              <a:t>12/24/2013</a:t>
             </a:fld>
             <a:endParaRPr lang="en-US"/>
           </a:p>
@@ -2274,7 +2275,7 @@
             <a:fld id="{1D8BD707-D9CF-40AE-B4C6-C98DA3205C09}" type="datetimeFigureOut">
               <a:rPr lang="en-US" smtClean="0"/>
               <a:pPr/>
-              <a:t>12/14/2013</a:t>
+              <a:t>12/24/2013</a:t>
             </a:fld>
             <a:endParaRPr lang="en-US"/>
           </a:p>
@@ -2529,7 +2530,7 @@
             <a:fld id="{1D8BD707-D9CF-40AE-B4C6-C98DA3205C09}" type="datetimeFigureOut">
               <a:rPr lang="en-US" smtClean="0"/>
               <a:pPr/>
-              <a:t>12/14/2013</a:t>
+              <a:t>12/24/2013</a:t>
             </a:fld>
             <a:endParaRPr lang="en-US"/>
           </a:p>
@@ -2744,7 +2745,7 @@
             <a:fld id="{1D8BD707-D9CF-40AE-B4C6-C98DA3205C09}" type="datetimeFigureOut">
               <a:rPr lang="en-US" smtClean="0"/>
               <a:pPr/>
-              <a:t>12/14/2013</a:t>
+              <a:t>12/24/2013</a:t>
             </a:fld>
             <a:endParaRPr lang="en-US"/>
           </a:p>
@@ -2846,7 +2847,9 @@
           <a:noFill/>
           <a:ln w="57150" cmpd="sng">
             <a:solidFill>
-              <a:schemeClr val="accent1"/>
+              <a:schemeClr val="bg1">
+                <a:lumMod val="85000"/>
+              </a:schemeClr>
             </a:solidFill>
           </a:ln>
         </p:spPr>
@@ -3187,9 +3190,8 @@
             <a:r>
               <a:rPr lang="en-US" sz="4800" b="1" dirty="0" smtClean="0">
                 <a:solidFill>
-                  <a:schemeClr val="tx1">
-                    <a:lumMod val="65000"/>
-                    <a:lumOff val="35000"/>
+                  <a:schemeClr val="bg1">
+                    <a:lumMod val="50000"/>
                   </a:schemeClr>
                 </a:solidFill>
               </a:rPr>
@@ -3197,9 +3199,8 @@
             </a:r>
             <a:endParaRPr lang="en-SG" sz="4800" b="1" dirty="0">
               <a:solidFill>
-                <a:schemeClr val="tx1">
-                  <a:lumMod val="65000"/>
-                  <a:lumOff val="35000"/>
+                <a:schemeClr val="bg1">
+                  <a:lumMod val="50000"/>
                 </a:schemeClr>
               </a:solidFill>
             </a:endParaRPr>
@@ -3218,7 +3219,7 @@
         </p:nvSpPr>
         <p:spPr>
           <a:xfrm>
-            <a:off x="457200" y="1447800"/>
+            <a:off x="457200" y="1676400"/>
             <a:ext cx="8229600" cy="4800600"/>
           </a:xfrm>
         </p:spPr>
@@ -3231,7 +3232,9 @@
             <a:r>
               <a:rPr lang="en-US" sz="3600" b="1" dirty="0" smtClean="0">
                 <a:solidFill>
-                  <a:srgbClr val="0070C0"/>
+                  <a:schemeClr val="bg1">
+                    <a:lumMod val="50000"/>
+                  </a:schemeClr>
                 </a:solidFill>
                 <a:latin typeface="+mj-lt"/>
               </a:rPr>
@@ -3240,30 +3243,22 @@
             <a:r>
               <a:rPr lang="en-US" sz="3600" dirty="0" smtClean="0">
                 <a:solidFill>
-                  <a:srgbClr val="0070C0"/>
-                </a:solidFill>
-                <a:latin typeface="+mj-lt"/>
-              </a:rPr>
-              <a:t>: </a:t>
-            </a:r>
-            <a:r>
-              <a:rPr lang="en-US" sz="3600" dirty="0" smtClean="0">
-                <a:solidFill>
-                  <a:schemeClr val="tx1">
-                    <a:lumMod val="65000"/>
-                    <a:lumOff val="35000"/>
+                  <a:schemeClr val="bg1">
+                    <a:lumMod val="50000"/>
                   </a:schemeClr>
                 </a:solidFill>
                 <a:latin typeface="+mj-lt"/>
               </a:rPr>
-              <a:t>No visualizations.</a:t>
+              <a:t>: No visualizations.</a:t>
             </a:r>
           </a:p>
           <a:p>
             <a:r>
               <a:rPr lang="en-US" sz="3600" b="1" dirty="0" smtClean="0">
                 <a:solidFill>
-                  <a:srgbClr val="0070C0"/>
+                  <a:schemeClr val="bg1">
+                    <a:lumMod val="50000"/>
+                  </a:schemeClr>
                 </a:solidFill>
               </a:rPr>
               <a:t>Mostly static</a:t>
@@ -3271,27 +3266,17 @@
             <a:r>
               <a:rPr lang="en-US" sz="3600" dirty="0" smtClean="0">
                 <a:solidFill>
-                  <a:srgbClr val="0070C0"/>
-                </a:solidFill>
-              </a:rPr>
-              <a:t>: </a:t>
-            </a:r>
-            <a:r>
-              <a:rPr lang="en-US" sz="3600" dirty="0" smtClean="0">
-                <a:solidFill>
-                  <a:schemeClr val="tx1">
-                    <a:lumMod val="65000"/>
-                    <a:lumOff val="35000"/>
+                  <a:schemeClr val="bg1">
+                    <a:lumMod val="50000"/>
                   </a:schemeClr>
                 </a:solidFill>
               </a:rPr>
-              <a:t>No animations.</a:t>
+              <a:t>: No animations.</a:t>
             </a:r>
             <a:endParaRPr lang="en-US" sz="3600" dirty="0">
               <a:solidFill>
-                <a:schemeClr val="tx1">
-                  <a:lumMod val="65000"/>
-                  <a:lumOff val="35000"/>
+                <a:schemeClr val="bg1">
+                  <a:lumMod val="50000"/>
                 </a:schemeClr>
               </a:solidFill>
             </a:endParaRPr>
@@ -3300,7 +3285,9 @@
             <a:r>
               <a:rPr lang="en-US" sz="3600" b="1" dirty="0" smtClean="0">
                 <a:solidFill>
-                  <a:srgbClr val="0070C0"/>
+                  <a:schemeClr val="bg1">
+                    <a:lumMod val="50000"/>
+                  </a:schemeClr>
                 </a:solidFill>
               </a:rPr>
               <a:t>Mostly boring</a:t>
@@ -3308,28 +3295,18 @@
             <a:r>
               <a:rPr lang="en-US" sz="3600" dirty="0" smtClean="0">
                 <a:solidFill>
-                  <a:srgbClr val="0070C0"/>
-                </a:solidFill>
-              </a:rPr>
-              <a:t>: </a:t>
-            </a:r>
-            <a:r>
-              <a:rPr lang="en-US" sz="3600" dirty="0" smtClean="0">
-                <a:solidFill>
-                  <a:schemeClr val="tx1">
-                    <a:lumMod val="65000"/>
-                    <a:lumOff val="35000"/>
+                  <a:schemeClr val="bg1">
+                    <a:lumMod val="50000"/>
                   </a:schemeClr>
                 </a:solidFill>
               </a:rPr>
-              <a:t>No</a:t>
+              <a:t>: No</a:t>
             </a:r>
             <a:r>
               <a:rPr lang="en-US" sz="3600" dirty="0">
                 <a:solidFill>
-                  <a:schemeClr val="tx1">
-                    <a:lumMod val="65000"/>
-                    <a:lumOff val="35000"/>
+                  <a:schemeClr val="bg1">
+                    <a:lumMod val="50000"/>
                   </a:schemeClr>
                 </a:solidFill>
               </a:rPr>
@@ -3338,9 +3315,8 @@
             <a:r>
               <a:rPr lang="en-US" sz="3600" dirty="0" smtClean="0">
                 <a:solidFill>
-                  <a:schemeClr val="tx1">
-                    <a:lumMod val="65000"/>
-                    <a:lumOff val="35000"/>
+                  <a:schemeClr val="bg1">
+                    <a:lumMod val="50000"/>
                   </a:schemeClr>
                 </a:solidFill>
               </a:rPr>
@@ -3351,7 +3327,7 @@
             <a:endParaRPr lang="en-US" dirty="0" smtClean="0">
               <a:solidFill>
                 <a:schemeClr val="bg1">
-                  <a:lumMod val="75000"/>
+                  <a:lumMod val="50000"/>
                 </a:schemeClr>
               </a:solidFill>
             </a:endParaRPr>
@@ -3361,47 +3337,43 @@
               <a:buNone/>
             </a:pPr>
             <a:r>
-              <a:rPr lang="en-US" sz="4800" b="1" dirty="0">
+              <a:rPr lang="en-US" sz="3600" dirty="0" smtClean="0">
                 <a:solidFill>
-                  <a:schemeClr val="tx1">
-                    <a:lumMod val="65000"/>
-                    <a:lumOff val="35000"/>
-                  </a:schemeClr>
-                </a:solidFill>
-                <a:effectLst>
-                  <a:outerShdw blurRad="31750" dist="25400" dir="5400000" algn="tl" rotWithShape="0">
-                    <a:srgbClr val="000000">
-                      <a:alpha val="25000"/>
-                    </a:srgbClr>
-                  </a:outerShdw>
-                </a:effectLst>
-                <a:latin typeface="+mj-lt"/>
-                <a:ea typeface="+mj-ea"/>
-                <a:cs typeface="+mj-cs"/>
-              </a:rPr>
-              <a:t>But why? </a:t>
-            </a:r>
-          </a:p>
-          <a:p>
-            <a:pPr marL="109728" indent="0">
-              <a:buNone/>
-            </a:pPr>
-            <a:r>
-              <a:rPr lang="en-US" sz="3600" b="1" dirty="0" smtClean="0">
-                <a:solidFill>
-                  <a:schemeClr val="accent6">
-                    <a:lumMod val="75000"/>
+                  <a:schemeClr val="bg1">
+                    <a:lumMod val="50000"/>
                   </a:schemeClr>
                 </a:solidFill>
                 <a:latin typeface="+mj-lt"/>
               </a:rPr>
-              <a:t>Because creating better slides </a:t>
+              <a:t>Because </a:t>
+            </a:r>
+            <a:r>
+              <a:rPr lang="en-US" sz="3600" dirty="0" smtClean="0">
+                <a:solidFill>
+                  <a:schemeClr val="bg1">
+                    <a:lumMod val="50000"/>
+                  </a:schemeClr>
+                </a:solidFill>
+                <a:latin typeface="+mj-lt"/>
+              </a:rPr>
+              <a:t>creating better </a:t>
+            </a:r>
+            <a:r>
+              <a:rPr lang="en-US" sz="3600" dirty="0" smtClean="0">
+                <a:solidFill>
+                  <a:schemeClr val="bg1">
+                    <a:lumMod val="50000"/>
+                  </a:schemeClr>
+                </a:solidFill>
+                <a:latin typeface="+mj-lt"/>
+              </a:rPr>
+              <a:t>slides </a:t>
             </a:r>
             <a:r>
               <a:rPr lang="en-US" sz="3600" b="1" dirty="0" smtClean="0">
                 <a:solidFill>
-                  <a:schemeClr val="accent6">
-                    <a:lumMod val="75000"/>
+                  <a:schemeClr val="bg1">
+                    <a:lumMod val="50000"/>
                   </a:schemeClr>
                 </a:solidFill>
                 <a:latin typeface="+mj-lt"/>
@@ -3411,18 +3383,18 @@
             <a:br>
               <a:rPr lang="en-US" sz="3600" b="1" dirty="0" smtClean="0">
                 <a:solidFill>
-                  <a:schemeClr val="accent6">
-                    <a:lumMod val="75000"/>
+                  <a:schemeClr val="bg1">
+                    <a:lumMod val="50000"/>
                   </a:schemeClr>
                 </a:solidFill>
                 <a:latin typeface="+mj-lt"/>
               </a:rPr>
             </a:br>
             <a:r>
-              <a:rPr lang="en-US" sz="3600" b="1" dirty="0" smtClean="0">
+              <a:rPr lang="en-US" sz="3600" dirty="0" smtClean="0">
                 <a:solidFill>
-                  <a:schemeClr val="accent6">
-                    <a:lumMod val="75000"/>
+                  <a:schemeClr val="bg1">
+                    <a:lumMod val="50000"/>
                   </a:schemeClr>
                 </a:solidFill>
                 <a:latin typeface="+mj-lt"/>
@@ -3432,8 +3404,8 @@
             <a:r>
               <a:rPr lang="en-US" sz="3600" b="1" dirty="0" smtClean="0">
                 <a:solidFill>
-                  <a:schemeClr val="accent6">
-                    <a:lumMod val="75000"/>
+                  <a:schemeClr val="bg1">
+                    <a:lumMod val="50000"/>
                   </a:schemeClr>
                 </a:solidFill>
                 <a:latin typeface="+mj-lt"/>
@@ -3442,8 +3414,8 @@
             </a:r>
             <a:endParaRPr lang="en-SG" sz="3600" b="1" dirty="0">
               <a:solidFill>
-                <a:schemeClr val="accent6">
-                  <a:lumMod val="75000"/>
+                <a:schemeClr val="bg1">
+                  <a:lumMod val="50000"/>
                 </a:schemeClr>
               </a:solidFill>
               <a:latin typeface="+mj-lt"/>
@@ -6190,6 +6162,305 @@
 
 <file path=ppt/slides/slide2.xml><?xml version="1.0" encoding="utf-8"?>
 <p:sld xmlns:a="http://schemas.openxmlformats.org/drawingml/2006/main" xmlns:r="http://schemas.openxmlformats.org/officeDocument/2006/relationships" xmlns:p="http://schemas.openxmlformats.org/presentationml/2006/main">
+  <p:cSld>
+    <p:spTree>
+      <p:nvGrpSpPr>
+        <p:cNvPr id="1" name=""/>
+        <p:cNvGrpSpPr/>
+        <p:nvPr/>
+      </p:nvGrpSpPr>
+      <p:grpSpPr>
+        <a:xfrm>
+          <a:off x="0" y="0"/>
+          <a:ext cx="0" cy="0"/>
+          <a:chOff x="0" y="0"/>
+          <a:chExt cx="0" cy="0"/>
+        </a:xfrm>
+      </p:grpSpPr>
+      <p:pic>
+        <p:nvPicPr>
+          <p:cNvPr id="1026" name="Picture 2"/>
+          <p:cNvPicPr>
+            <a:picLocks noChangeAspect="1" noChangeArrowheads="1"/>
+          </p:cNvPicPr>
+          <p:nvPr/>
+        </p:nvPicPr>
+        <p:blipFill>
+          <a:blip r:embed="rId2">
+            <a:extLst>
+              <a:ext uri="{BEBA8EAE-BF5A-486C-A8C5-ECC9F3942E4B}">
+                <a14:imgProps xmlns:a14="http://schemas.microsoft.com/office/drawing/2010/main">
+                  <a14:imgLayer r:embed="rId3">
+                    <a14:imgEffect>
+                      <a14:artisticLineDrawing/>
+                    </a14:imgEffect>
+                    <a14:imgEffect>
+                      <a14:saturation sat="0"/>
+                    </a14:imgEffect>
+                  </a14:imgLayer>
+                </a14:imgProps>
+              </a:ext>
+              <a:ext uri="{28A0092B-C50C-407E-A947-70E740481C1C}">
+                <a14:useLocalDpi xmlns:a14="http://schemas.microsoft.com/office/drawing/2010/main" val="0"/>
+              </a:ext>
+            </a:extLst>
+          </a:blip>
+          <a:srcRect/>
+          <a:stretch>
+            <a:fillRect/>
+          </a:stretch>
+        </p:blipFill>
+        <p:spPr bwMode="auto">
+          <a:xfrm>
+            <a:off x="7495" y="32084"/>
+            <a:ext cx="9127959" cy="6822128"/>
+          </a:xfrm>
+          <a:prstGeom prst="rect">
+            <a:avLst/>
+          </a:prstGeom>
+          <a:noFill/>
+          <a:ln>
+            <a:noFill/>
+          </a:ln>
+          <a:extLst>
+            <a:ext uri="{909E8E84-426E-40DD-AFC4-6F175D3DCCD1}">
+              <a14:hiddenFill xmlns:a14="http://schemas.microsoft.com/office/drawing/2010/main">
+                <a:solidFill>
+                  <a:schemeClr val="accent1"/>
+                </a:solidFill>
+              </a14:hiddenFill>
+            </a:ext>
+            <a:ext uri="{91240B29-F687-4F45-9708-019B960494DF}">
+              <a14:hiddenLine xmlns:a14="http://schemas.microsoft.com/office/drawing/2010/main" w="9525">
+                <a:solidFill>
+                  <a:schemeClr val="tx1"/>
+                </a:solidFill>
+                <a:miter lim="800000"/>
+                <a:headEnd/>
+                <a:tailEnd/>
+              </a14:hiddenLine>
+            </a:ext>
+          </a:extLst>
+        </p:spPr>
+      </p:pic>
+      <p:pic>
+        <p:nvPicPr>
+          <p:cNvPr id="7" name="Picture 2"/>
+          <p:cNvPicPr>
+            <a:picLocks noChangeAspect="1" noChangeArrowheads="1"/>
+          </p:cNvPicPr>
+          <p:nvPr/>
+        </p:nvPicPr>
+        <p:blipFill rotWithShape="1">
+          <a:blip r:embed="rId4">
+            <a:extLst>
+              <a:ext uri="{28A0092B-C50C-407E-A947-70E740481C1C}">
+                <a14:useLocalDpi xmlns:a14="http://schemas.microsoft.com/office/drawing/2010/main" val="0"/>
+              </a:ext>
+            </a:extLst>
+          </a:blip>
+          <a:srcRect l="760" t="6419" r="843" b="4517"/>
+          <a:stretch/>
+        </p:blipFill>
+        <p:spPr bwMode="auto">
+          <a:xfrm>
+            <a:off x="76912" y="470018"/>
+            <a:ext cx="8981630" cy="6076061"/>
+          </a:xfrm>
+          <a:prstGeom prst="rect">
+            <a:avLst/>
+          </a:prstGeom>
+          <a:noFill/>
+          <a:ln>
+            <a:noFill/>
+          </a:ln>
+          <a:extLst>
+            <a:ext uri="{909E8E84-426E-40DD-AFC4-6F175D3DCCD1}">
+              <a14:hiddenFill xmlns:a14="http://schemas.microsoft.com/office/drawing/2010/main">
+                <a:solidFill>
+                  <a:schemeClr val="accent1"/>
+                </a:solidFill>
+              </a14:hiddenFill>
+            </a:ext>
+            <a:ext uri="{91240B29-F687-4F45-9708-019B960494DF}">
+              <a14:hiddenLine xmlns:a14="http://schemas.microsoft.com/office/drawing/2010/main" w="9525">
+                <a:solidFill>
+                  <a:schemeClr val="tx1"/>
+                </a:solidFill>
+                <a:miter lim="800000"/>
+                <a:headEnd/>
+                <a:tailEnd/>
+              </a14:hiddenLine>
+            </a:ext>
+          </a:extLst>
+        </p:spPr>
+      </p:pic>
+      <p:pic>
+        <p:nvPicPr>
+          <p:cNvPr id="10" name="Picture 2"/>
+          <p:cNvPicPr>
+            <a:picLocks noChangeAspect="1" noChangeArrowheads="1"/>
+          </p:cNvPicPr>
+          <p:nvPr/>
+        </p:nvPicPr>
+        <p:blipFill rotWithShape="1">
+          <a:blip r:embed="rId4">
+            <a:extLst>
+              <a:ext uri="{28A0092B-C50C-407E-A947-70E740481C1C}">
+                <a14:useLocalDpi xmlns:a14="http://schemas.microsoft.com/office/drawing/2010/main" val="0"/>
+              </a:ext>
+            </a:extLst>
+          </a:blip>
+          <a:srcRect l="70524" t="3184" r="19271" b="93309"/>
+          <a:stretch/>
+        </p:blipFill>
+        <p:spPr bwMode="auto">
+          <a:xfrm>
+            <a:off x="6442282" y="253998"/>
+            <a:ext cx="931493" cy="239283"/>
+          </a:xfrm>
+          <a:prstGeom prst="rect">
+            <a:avLst/>
+          </a:prstGeom>
+          <a:noFill/>
+          <a:ln>
+            <a:noFill/>
+          </a:ln>
+          <a:extLst>
+            <a:ext uri="{909E8E84-426E-40DD-AFC4-6F175D3DCCD1}">
+              <a14:hiddenFill xmlns:a14="http://schemas.microsoft.com/office/drawing/2010/main">
+                <a:solidFill>
+                  <a:schemeClr val="accent1"/>
+                </a:solidFill>
+              </a14:hiddenFill>
+            </a:ext>
+            <a:ext uri="{91240B29-F687-4F45-9708-019B960494DF}">
+              <a14:hiddenLine xmlns:a14="http://schemas.microsoft.com/office/drawing/2010/main" w="9525">
+                <a:solidFill>
+                  <a:schemeClr val="tx1"/>
+                </a:solidFill>
+                <a:miter lim="800000"/>
+                <a:headEnd/>
+                <a:tailEnd/>
+              </a14:hiddenLine>
+            </a:ext>
+          </a:extLst>
+        </p:spPr>
+      </p:pic>
+      <p:sp>
+        <p:nvSpPr>
+          <p:cNvPr id="4" name="Rectangle 3"/>
+          <p:cNvSpPr/>
+          <p:nvPr/>
+        </p:nvSpPr>
+        <p:spPr>
+          <a:xfrm>
+            <a:off x="77478" y="247648"/>
+            <a:ext cx="7314488" cy="971552"/>
+          </a:xfrm>
+          <a:custGeom>
+            <a:avLst/>
+            <a:gdLst/>
+            <a:ahLst/>
+            <a:cxnLst/>
+            <a:rect l="l" t="t" r="r" b="b"/>
+            <a:pathLst>
+              <a:path w="7314488" h="971552">
+                <a:moveTo>
+                  <a:pt x="6402124" y="0"/>
+                </a:moveTo>
+                <a:lnTo>
+                  <a:pt x="7269243" y="0"/>
+                </a:lnTo>
+                <a:cubicBezTo>
+                  <a:pt x="7294231" y="0"/>
+                  <a:pt x="7314488" y="20257"/>
+                  <a:pt x="7314488" y="45245"/>
+                </a:cubicBezTo>
+                <a:lnTo>
+                  <a:pt x="7314488" y="222370"/>
+                </a:lnTo>
+                <a:lnTo>
+                  <a:pt x="7314488" y="457200"/>
+                </a:lnTo>
+                <a:lnTo>
+                  <a:pt x="7314488" y="971552"/>
+                </a:lnTo>
+                <a:lnTo>
+                  <a:pt x="0" y="971552"/>
+                </a:lnTo>
+                <a:lnTo>
+                  <a:pt x="0" y="222370"/>
+                </a:lnTo>
+                <a:lnTo>
+                  <a:pt x="6356879" y="222370"/>
+                </a:lnTo>
+                <a:lnTo>
+                  <a:pt x="6356879" y="45245"/>
+                </a:lnTo>
+                <a:cubicBezTo>
+                  <a:pt x="6356879" y="20257"/>
+                  <a:pt x="6377136" y="0"/>
+                  <a:pt x="6402124" y="0"/>
+                </a:cubicBezTo>
+                <a:close/>
+              </a:path>
+            </a:pathLst>
+          </a:custGeom>
+          <a:noFill/>
+          <a:ln>
+            <a:solidFill>
+              <a:srgbClr val="0070C0"/>
+            </a:solidFill>
+          </a:ln>
+        </p:spPr>
+        <p:style>
+          <a:lnRef idx="2">
+            <a:schemeClr val="accent1">
+              <a:shade val="50000"/>
+            </a:schemeClr>
+          </a:lnRef>
+          <a:fillRef idx="1">
+            <a:schemeClr val="accent1"/>
+          </a:fillRef>
+          <a:effectRef idx="0">
+            <a:schemeClr val="accent1"/>
+          </a:effectRef>
+          <a:fontRef idx="minor">
+            <a:schemeClr val="lt1"/>
+          </a:fontRef>
+        </p:style>
+        <p:txBody>
+          <a:bodyPr rtlCol="0" anchor="ctr"/>
+          <a:lstStyle/>
+          <a:p>
+            <a:pPr algn="ctr"/>
+            <a:endParaRPr lang="en-SG"/>
+          </a:p>
+        </p:txBody>
+      </p:sp>
+    </p:spTree>
+    <p:extLst>
+      <p:ext uri="{BB962C8B-B14F-4D97-AF65-F5344CB8AC3E}">
+        <p14:creationId xmlns:p14="http://schemas.microsoft.com/office/powerpoint/2010/main" val="39147968"/>
+      </p:ext>
+    </p:extLst>
+  </p:cSld>
+  <p:clrMapOvr>
+    <a:masterClrMapping/>
+  </p:clrMapOvr>
+  <p:timing>
+    <p:tnLst>
+      <p:par>
+        <p:cTn id="1" dur="indefinite" restart="never" nodeType="tmRoot"/>
+      </p:par>
+    </p:tnLst>
+  </p:timing>
+</p:sld>
+</file>
+
+<file path=ppt/slides/slide3.xml><?xml version="1.0" encoding="utf-8"?>
+<p:sld xmlns:a="http://schemas.openxmlformats.org/drawingml/2006/main" xmlns:r="http://schemas.openxmlformats.org/officeDocument/2006/relationships" xmlns:p="http://schemas.openxmlformats.org/presentationml/2006/main" show="0">
   <p:cSld>
     <p:spTree>
       <p:nvGrpSpPr>
@@ -6950,6 +7221,21 @@
   <p:clrMapOvr>
     <a:masterClrMapping/>
   </p:clrMapOvr>
+  <mc:AlternateContent xmlns:mc="http://schemas.openxmlformats.org/markup-compatibility/2006">
+    <mc:Choice xmlns:p14="http://schemas.microsoft.com/office/powerpoint/2010/main" Requires="p14">
+      <p:transition spd="slow" p14:dur="2000"/>
+    </mc:Choice>
+    <mc:Fallback>
+      <p:transition spd="slow"/>
+    </mc:Fallback>
+  </mc:AlternateContent>
+  <p:timing>
+    <p:tnLst>
+      <p:par>
+        <p:cTn id="1" dur="indefinite" restart="never" nodeType="tmRoot"/>
+      </p:par>
+    </p:tnLst>
+  </p:timing>
 </p:sld>
 </file>
 

--- a/doc/Landing page image - before.pptx
+++ b/doc/Landing page image - before.pptx
@@ -4,6 +4,9 @@
   <p:sldMasterIdLst>
     <p:sldMasterId id="2147483672" r:id="rId1"/>
   </p:sldMasterIdLst>
+  <p:notesMasterIdLst>
+    <p:notesMasterId r:id="rId4"/>
+  </p:notesMasterIdLst>
   <p:sldIdLst>
     <p:sldId id="257" r:id="rId2"/>
     <p:sldId id="259" r:id="rId3"/>
@@ -108,6 +111,440 @@
 </p:presentation>
 </file>
 
+<file path=ppt/notesMasters/notesMaster1.xml><?xml version="1.0" encoding="utf-8"?>
+<p:notesMaster xmlns:a="http://schemas.openxmlformats.org/drawingml/2006/main" xmlns:r="http://schemas.openxmlformats.org/officeDocument/2006/relationships" xmlns:p="http://schemas.openxmlformats.org/presentationml/2006/main">
+  <p:cSld>
+    <p:bg>
+      <p:bgRef idx="1001">
+        <a:schemeClr val="bg1"/>
+      </p:bgRef>
+    </p:bg>
+    <p:spTree>
+      <p:nvGrpSpPr>
+        <p:cNvPr id="1" name=""/>
+        <p:cNvGrpSpPr/>
+        <p:nvPr/>
+      </p:nvGrpSpPr>
+      <p:grpSpPr>
+        <a:xfrm>
+          <a:off x="0" y="0"/>
+          <a:ext cx="0" cy="0"/>
+          <a:chOff x="0" y="0"/>
+          <a:chExt cx="0" cy="0"/>
+        </a:xfrm>
+      </p:grpSpPr>
+      <p:sp>
+        <p:nvSpPr>
+          <p:cNvPr id="2" name="Header Placeholder 1"/>
+          <p:cNvSpPr>
+            <a:spLocks noGrp="1"/>
+          </p:cNvSpPr>
+          <p:nvPr>
+            <p:ph type="hdr" sz="quarter"/>
+          </p:nvPr>
+        </p:nvSpPr>
+        <p:spPr>
+          <a:xfrm>
+            <a:off x="0" y="0"/>
+            <a:ext cx="2971800" cy="457200"/>
+          </a:xfrm>
+          <a:prstGeom prst="rect">
+            <a:avLst/>
+          </a:prstGeom>
+        </p:spPr>
+        <p:txBody>
+          <a:bodyPr vert="horz" lIns="91440" tIns="45720" rIns="91440" bIns="45720" rtlCol="0"/>
+          <a:lstStyle>
+            <a:lvl1pPr algn="l">
+              <a:defRPr sz="1200"/>
+            </a:lvl1pPr>
+          </a:lstStyle>
+          <a:p>
+            <a:endParaRPr lang="en-SG"/>
+          </a:p>
+        </p:txBody>
+      </p:sp>
+      <p:sp>
+        <p:nvSpPr>
+          <p:cNvPr id="3" name="Date Placeholder 2"/>
+          <p:cNvSpPr>
+            <a:spLocks noGrp="1"/>
+          </p:cNvSpPr>
+          <p:nvPr>
+            <p:ph type="dt" idx="1"/>
+          </p:nvPr>
+        </p:nvSpPr>
+        <p:spPr>
+          <a:xfrm>
+            <a:off x="3884613" y="0"/>
+            <a:ext cx="2971800" cy="457200"/>
+          </a:xfrm>
+          <a:prstGeom prst="rect">
+            <a:avLst/>
+          </a:prstGeom>
+        </p:spPr>
+        <p:txBody>
+          <a:bodyPr vert="horz" lIns="91440" tIns="45720" rIns="91440" bIns="45720" rtlCol="0"/>
+          <a:lstStyle>
+            <a:lvl1pPr algn="r">
+              <a:defRPr sz="1200"/>
+            </a:lvl1pPr>
+          </a:lstStyle>
+          <a:p>
+            <a:fld id="{4B30FB1B-C166-4BF7-9ECE-62F4B857993B}" type="datetimeFigureOut">
+              <a:rPr lang="en-SG" smtClean="0"/>
+              <a:t>27/12/2013</a:t>
+            </a:fld>
+            <a:endParaRPr lang="en-SG"/>
+          </a:p>
+        </p:txBody>
+      </p:sp>
+      <p:sp>
+        <p:nvSpPr>
+          <p:cNvPr id="4" name="Slide Image Placeholder 3"/>
+          <p:cNvSpPr>
+            <a:spLocks noGrp="1" noRot="1" noChangeAspect="1"/>
+          </p:cNvSpPr>
+          <p:nvPr>
+            <p:ph type="sldImg" idx="2"/>
+          </p:nvPr>
+        </p:nvSpPr>
+        <p:spPr>
+          <a:xfrm>
+            <a:off x="1143000" y="685800"/>
+            <a:ext cx="4572000" cy="3429000"/>
+          </a:xfrm>
+          <a:prstGeom prst="rect">
+            <a:avLst/>
+          </a:prstGeom>
+          <a:noFill/>
+          <a:ln w="12700">
+            <a:solidFill>
+              <a:prstClr val="black"/>
+            </a:solidFill>
+          </a:ln>
+        </p:spPr>
+        <p:txBody>
+          <a:bodyPr vert="horz" lIns="91440" tIns="45720" rIns="91440" bIns="45720" rtlCol="0" anchor="ctr"/>
+          <a:lstStyle/>
+          <a:p>
+            <a:endParaRPr lang="en-SG"/>
+          </a:p>
+        </p:txBody>
+      </p:sp>
+      <p:sp>
+        <p:nvSpPr>
+          <p:cNvPr id="5" name="Notes Placeholder 4"/>
+          <p:cNvSpPr>
+            <a:spLocks noGrp="1"/>
+          </p:cNvSpPr>
+          <p:nvPr>
+            <p:ph type="body" sz="quarter" idx="3"/>
+          </p:nvPr>
+        </p:nvSpPr>
+        <p:spPr>
+          <a:xfrm>
+            <a:off x="685800" y="4343400"/>
+            <a:ext cx="5486400" cy="4114800"/>
+          </a:xfrm>
+          <a:prstGeom prst="rect">
+            <a:avLst/>
+          </a:prstGeom>
+        </p:spPr>
+        <p:txBody>
+          <a:bodyPr vert="horz" lIns="91440" tIns="45720" rIns="91440" bIns="45720" rtlCol="0"/>
+          <a:lstStyle/>
+          <a:p>
+            <a:pPr lvl="0"/>
+            <a:r>
+              <a:rPr lang="en-US" smtClean="0"/>
+              <a:t>Click to edit Master text styles</a:t>
+            </a:r>
+          </a:p>
+          <a:p>
+            <a:pPr lvl="1"/>
+            <a:r>
+              <a:rPr lang="en-US" smtClean="0"/>
+              <a:t>Second level</a:t>
+            </a:r>
+          </a:p>
+          <a:p>
+            <a:pPr lvl="2"/>
+            <a:r>
+              <a:rPr lang="en-US" smtClean="0"/>
+              <a:t>Third level</a:t>
+            </a:r>
+          </a:p>
+          <a:p>
+            <a:pPr lvl="3"/>
+            <a:r>
+              <a:rPr lang="en-US" smtClean="0"/>
+              <a:t>Fourth level</a:t>
+            </a:r>
+          </a:p>
+          <a:p>
+            <a:pPr lvl="4"/>
+            <a:r>
+              <a:rPr lang="en-US" smtClean="0"/>
+              <a:t>Fifth level</a:t>
+            </a:r>
+            <a:endParaRPr lang="en-SG"/>
+          </a:p>
+        </p:txBody>
+      </p:sp>
+      <p:sp>
+        <p:nvSpPr>
+          <p:cNvPr id="6" name="Footer Placeholder 5"/>
+          <p:cNvSpPr>
+            <a:spLocks noGrp="1"/>
+          </p:cNvSpPr>
+          <p:nvPr>
+            <p:ph type="ftr" sz="quarter" idx="4"/>
+          </p:nvPr>
+        </p:nvSpPr>
+        <p:spPr>
+          <a:xfrm>
+            <a:off x="0" y="8685213"/>
+            <a:ext cx="2971800" cy="457200"/>
+          </a:xfrm>
+          <a:prstGeom prst="rect">
+            <a:avLst/>
+          </a:prstGeom>
+        </p:spPr>
+        <p:txBody>
+          <a:bodyPr vert="horz" lIns="91440" tIns="45720" rIns="91440" bIns="45720" rtlCol="0" anchor="b"/>
+          <a:lstStyle>
+            <a:lvl1pPr algn="l">
+              <a:defRPr sz="1200"/>
+            </a:lvl1pPr>
+          </a:lstStyle>
+          <a:p>
+            <a:endParaRPr lang="en-SG"/>
+          </a:p>
+        </p:txBody>
+      </p:sp>
+      <p:sp>
+        <p:nvSpPr>
+          <p:cNvPr id="7" name="Slide Number Placeholder 6"/>
+          <p:cNvSpPr>
+            <a:spLocks noGrp="1"/>
+          </p:cNvSpPr>
+          <p:nvPr>
+            <p:ph type="sldNum" sz="quarter" idx="5"/>
+          </p:nvPr>
+        </p:nvSpPr>
+        <p:spPr>
+          <a:xfrm>
+            <a:off x="3884613" y="8685213"/>
+            <a:ext cx="2971800" cy="457200"/>
+          </a:xfrm>
+          <a:prstGeom prst="rect">
+            <a:avLst/>
+          </a:prstGeom>
+        </p:spPr>
+        <p:txBody>
+          <a:bodyPr vert="horz" lIns="91440" tIns="45720" rIns="91440" bIns="45720" rtlCol="0" anchor="b"/>
+          <a:lstStyle>
+            <a:lvl1pPr algn="r">
+              <a:defRPr sz="1200"/>
+            </a:lvl1pPr>
+          </a:lstStyle>
+          <a:p>
+            <a:fld id="{A88BBA10-7D33-4DEA-8AEE-7CA3641E5907}" type="slidenum">
+              <a:rPr lang="en-SG" smtClean="0"/>
+              <a:t>‹#›</a:t>
+            </a:fld>
+            <a:endParaRPr lang="en-SG"/>
+          </a:p>
+        </p:txBody>
+      </p:sp>
+    </p:spTree>
+    <p:extLst>
+      <p:ext uri="{BB962C8B-B14F-4D97-AF65-F5344CB8AC3E}">
+        <p14:creationId xmlns:p14="http://schemas.microsoft.com/office/powerpoint/2010/main" val="1555466168"/>
+      </p:ext>
+    </p:extLst>
+  </p:cSld>
+  <p:clrMap bg1="lt1" tx1="dk1" bg2="lt2" tx2="dk2" accent1="accent1" accent2="accent2" accent3="accent3" accent4="accent4" accent5="accent5" accent6="accent6" hlink="hlink" folHlink="folHlink"/>
+  <p:notesStyle>
+    <a:lvl1pPr marL="0" algn="l" defTabSz="914400" rtl="0" eaLnBrk="1" latinLnBrk="0" hangingPunct="1">
+      <a:defRPr sz="1200" kern="1200">
+        <a:solidFill>
+          <a:schemeClr val="tx1"/>
+        </a:solidFill>
+        <a:latin typeface="+mn-lt"/>
+        <a:ea typeface="+mn-ea"/>
+        <a:cs typeface="+mn-cs"/>
+      </a:defRPr>
+    </a:lvl1pPr>
+    <a:lvl2pPr marL="457200" algn="l" defTabSz="914400" rtl="0" eaLnBrk="1" latinLnBrk="0" hangingPunct="1">
+      <a:defRPr sz="1200" kern="1200">
+        <a:solidFill>
+          <a:schemeClr val="tx1"/>
+        </a:solidFill>
+        <a:latin typeface="+mn-lt"/>
+        <a:ea typeface="+mn-ea"/>
+        <a:cs typeface="+mn-cs"/>
+      </a:defRPr>
+    </a:lvl2pPr>
+    <a:lvl3pPr marL="914400" algn="l" defTabSz="914400" rtl="0" eaLnBrk="1" latinLnBrk="0" hangingPunct="1">
+      <a:defRPr sz="1200" kern="1200">
+        <a:solidFill>
+          <a:schemeClr val="tx1"/>
+        </a:solidFill>
+        <a:latin typeface="+mn-lt"/>
+        <a:ea typeface="+mn-ea"/>
+        <a:cs typeface="+mn-cs"/>
+      </a:defRPr>
+    </a:lvl3pPr>
+    <a:lvl4pPr marL="1371600" algn="l" defTabSz="914400" rtl="0" eaLnBrk="1" latinLnBrk="0" hangingPunct="1">
+      <a:defRPr sz="1200" kern="1200">
+        <a:solidFill>
+          <a:schemeClr val="tx1"/>
+        </a:solidFill>
+        <a:latin typeface="+mn-lt"/>
+        <a:ea typeface="+mn-ea"/>
+        <a:cs typeface="+mn-cs"/>
+      </a:defRPr>
+    </a:lvl4pPr>
+    <a:lvl5pPr marL="1828800" algn="l" defTabSz="914400" rtl="0" eaLnBrk="1" latinLnBrk="0" hangingPunct="1">
+      <a:defRPr sz="1200" kern="1200">
+        <a:solidFill>
+          <a:schemeClr val="tx1"/>
+        </a:solidFill>
+        <a:latin typeface="+mn-lt"/>
+        <a:ea typeface="+mn-ea"/>
+        <a:cs typeface="+mn-cs"/>
+      </a:defRPr>
+    </a:lvl5pPr>
+    <a:lvl6pPr marL="2286000" algn="l" defTabSz="914400" rtl="0" eaLnBrk="1" latinLnBrk="0" hangingPunct="1">
+      <a:defRPr sz="1200" kern="1200">
+        <a:solidFill>
+          <a:schemeClr val="tx1"/>
+        </a:solidFill>
+        <a:latin typeface="+mn-lt"/>
+        <a:ea typeface="+mn-ea"/>
+        <a:cs typeface="+mn-cs"/>
+      </a:defRPr>
+    </a:lvl6pPr>
+    <a:lvl7pPr marL="2743200" algn="l" defTabSz="914400" rtl="0" eaLnBrk="1" latinLnBrk="0" hangingPunct="1">
+      <a:defRPr sz="1200" kern="1200">
+        <a:solidFill>
+          <a:schemeClr val="tx1"/>
+        </a:solidFill>
+        <a:latin typeface="+mn-lt"/>
+        <a:ea typeface="+mn-ea"/>
+        <a:cs typeface="+mn-cs"/>
+      </a:defRPr>
+    </a:lvl7pPr>
+    <a:lvl8pPr marL="3200400" algn="l" defTabSz="914400" rtl="0" eaLnBrk="1" latinLnBrk="0" hangingPunct="1">
+      <a:defRPr sz="1200" kern="1200">
+        <a:solidFill>
+          <a:schemeClr val="tx1"/>
+        </a:solidFill>
+        <a:latin typeface="+mn-lt"/>
+        <a:ea typeface="+mn-ea"/>
+        <a:cs typeface="+mn-cs"/>
+      </a:defRPr>
+    </a:lvl8pPr>
+    <a:lvl9pPr marL="3657600" algn="l" defTabSz="914400" rtl="0" eaLnBrk="1" latinLnBrk="0" hangingPunct="1">
+      <a:defRPr sz="1200" kern="1200">
+        <a:solidFill>
+          <a:schemeClr val="tx1"/>
+        </a:solidFill>
+        <a:latin typeface="+mn-lt"/>
+        <a:ea typeface="+mn-ea"/>
+        <a:cs typeface="+mn-cs"/>
+      </a:defRPr>
+    </a:lvl9pPr>
+  </p:notesStyle>
+</p:notesMaster>
+</file>
+
+<file path=ppt/notesSlides/notesSlide1.xml><?xml version="1.0" encoding="utf-8"?>
+<p:notes xmlns:a="http://schemas.openxmlformats.org/drawingml/2006/main" xmlns:r="http://schemas.openxmlformats.org/officeDocument/2006/relationships" xmlns:p="http://schemas.openxmlformats.org/presentationml/2006/main">
+  <p:cSld>
+    <p:spTree>
+      <p:nvGrpSpPr>
+        <p:cNvPr id="1" name=""/>
+        <p:cNvGrpSpPr/>
+        <p:nvPr/>
+      </p:nvGrpSpPr>
+      <p:grpSpPr>
+        <a:xfrm>
+          <a:off x="0" y="0"/>
+          <a:ext cx="0" cy="0"/>
+          <a:chOff x="0" y="0"/>
+          <a:chExt cx="0" cy="0"/>
+        </a:xfrm>
+      </p:grpSpPr>
+      <p:sp>
+        <p:nvSpPr>
+          <p:cNvPr id="2" name="Slide Image Placeholder 1"/>
+          <p:cNvSpPr>
+            <a:spLocks noGrp="1" noRot="1" noChangeAspect="1"/>
+          </p:cNvSpPr>
+          <p:nvPr>
+            <p:ph type="sldImg"/>
+          </p:nvPr>
+        </p:nvSpPr>
+        <p:spPr/>
+      </p:sp>
+      <p:sp>
+        <p:nvSpPr>
+          <p:cNvPr id="3" name="Notes Placeholder 2"/>
+          <p:cNvSpPr>
+            <a:spLocks noGrp="1"/>
+          </p:cNvSpPr>
+          <p:nvPr>
+            <p:ph type="body" idx="1"/>
+          </p:nvPr>
+        </p:nvSpPr>
+        <p:spPr/>
+        <p:txBody>
+          <a:bodyPr/>
+          <a:lstStyle/>
+          <a:p>
+            <a:endParaRPr lang="en-SG" dirty="0"/>
+          </a:p>
+        </p:txBody>
+      </p:sp>
+      <p:sp>
+        <p:nvSpPr>
+          <p:cNvPr id="4" name="Slide Number Placeholder 3"/>
+          <p:cNvSpPr>
+            <a:spLocks noGrp="1"/>
+          </p:cNvSpPr>
+          <p:nvPr>
+            <p:ph type="sldNum" sz="quarter" idx="10"/>
+          </p:nvPr>
+        </p:nvSpPr>
+        <p:spPr/>
+        <p:txBody>
+          <a:bodyPr/>
+          <a:lstStyle/>
+          <a:p>
+            <a:fld id="{A88BBA10-7D33-4DEA-8AEE-7CA3641E5907}" type="slidenum">
+              <a:rPr lang="en-SG" smtClean="0"/>
+              <a:t>1</a:t>
+            </a:fld>
+            <a:endParaRPr lang="en-SG"/>
+          </a:p>
+        </p:txBody>
+      </p:sp>
+    </p:spTree>
+    <p:extLst>
+      <p:ext uri="{BB962C8B-B14F-4D97-AF65-F5344CB8AC3E}">
+        <p14:creationId xmlns:p14="http://schemas.microsoft.com/office/powerpoint/2010/main" val="2799082191"/>
+      </p:ext>
+    </p:extLst>
+  </p:cSld>
+  <p:clrMapOvr>
+    <a:masterClrMapping/>
+  </p:clrMapOvr>
+</p:notes>
+</file>
+
 <file path=ppt/slideLayouts/slideLayout1.xml><?xml version="1.0" encoding="utf-8"?>
 <p:sldLayout xmlns:a="http://schemas.openxmlformats.org/drawingml/2006/main" xmlns:r="http://schemas.openxmlformats.org/officeDocument/2006/relationships" xmlns:p="http://schemas.openxmlformats.org/presentationml/2006/main" type="title" preserve="1">
   <p:cSld name="Title Slide">
@@ -290,7 +727,7 @@
             <a:fld id="{1D8BD707-D9CF-40AE-B4C6-C98DA3205C09}" type="datetimeFigureOut">
               <a:rPr lang="en-US" smtClean="0"/>
               <a:pPr/>
-              <a:t>12/26/2013</a:t>
+              <a:t>12/27/2013</a:t>
             </a:fld>
             <a:endParaRPr lang="en-US"/>
           </a:p>
@@ -462,7 +899,7 @@
             <a:fld id="{1D8BD707-D9CF-40AE-B4C6-C98DA3205C09}" type="datetimeFigureOut">
               <a:rPr lang="en-US" smtClean="0"/>
               <a:pPr/>
-              <a:t>12/26/2013</a:t>
+              <a:t>12/27/2013</a:t>
             </a:fld>
             <a:endParaRPr lang="en-US"/>
           </a:p>
@@ -644,7 +1081,7 @@
             <a:fld id="{1D8BD707-D9CF-40AE-B4C6-C98DA3205C09}" type="datetimeFigureOut">
               <a:rPr lang="en-US" smtClean="0"/>
               <a:pPr/>
-              <a:t>12/26/2013</a:t>
+              <a:t>12/27/2013</a:t>
             </a:fld>
             <a:endParaRPr lang="en-US"/>
           </a:p>
@@ -816,7 +1253,7 @@
             <a:fld id="{1D8BD707-D9CF-40AE-B4C6-C98DA3205C09}" type="datetimeFigureOut">
               <a:rPr lang="en-US" smtClean="0"/>
               <a:pPr/>
-              <a:t>12/26/2013</a:t>
+              <a:t>12/27/2013</a:t>
             </a:fld>
             <a:endParaRPr lang="en-US"/>
           </a:p>
@@ -1064,7 +1501,7 @@
             <a:fld id="{1D8BD707-D9CF-40AE-B4C6-C98DA3205C09}" type="datetimeFigureOut">
               <a:rPr lang="en-US" smtClean="0"/>
               <a:pPr/>
-              <a:t>12/26/2013</a:t>
+              <a:t>12/27/2013</a:t>
             </a:fld>
             <a:endParaRPr lang="en-US"/>
           </a:p>
@@ -1354,7 +1791,7 @@
             <a:fld id="{1D8BD707-D9CF-40AE-B4C6-C98DA3205C09}" type="datetimeFigureOut">
               <a:rPr lang="en-US" smtClean="0"/>
               <a:pPr/>
-              <a:t>12/26/2013</a:t>
+              <a:t>12/27/2013</a:t>
             </a:fld>
             <a:endParaRPr lang="en-US"/>
           </a:p>
@@ -1778,7 +2215,7 @@
             <a:fld id="{1D8BD707-D9CF-40AE-B4C6-C98DA3205C09}" type="datetimeFigureOut">
               <a:rPr lang="en-US" smtClean="0"/>
               <a:pPr/>
-              <a:t>12/26/2013</a:t>
+              <a:t>12/27/2013</a:t>
             </a:fld>
             <a:endParaRPr lang="en-US"/>
           </a:p>
@@ -1898,7 +2335,7 @@
             <a:fld id="{1D8BD707-D9CF-40AE-B4C6-C98DA3205C09}" type="datetimeFigureOut">
               <a:rPr lang="en-US" smtClean="0"/>
               <a:pPr/>
-              <a:t>12/26/2013</a:t>
+              <a:t>12/27/2013</a:t>
             </a:fld>
             <a:endParaRPr lang="en-US"/>
           </a:p>
@@ -1995,7 +2432,7 @@
             <a:fld id="{1D8BD707-D9CF-40AE-B4C6-C98DA3205C09}" type="datetimeFigureOut">
               <a:rPr lang="en-US" smtClean="0"/>
               <a:pPr/>
-              <a:t>12/26/2013</a:t>
+              <a:t>12/27/2013</a:t>
             </a:fld>
             <a:endParaRPr lang="en-US"/>
           </a:p>
@@ -2274,7 +2711,7 @@
             <a:fld id="{1D8BD707-D9CF-40AE-B4C6-C98DA3205C09}" type="datetimeFigureOut">
               <a:rPr lang="en-US" smtClean="0"/>
               <a:pPr/>
-              <a:t>12/26/2013</a:t>
+              <a:t>12/27/2013</a:t>
             </a:fld>
             <a:endParaRPr lang="en-US"/>
           </a:p>
@@ -2529,7 +2966,7 @@
             <a:fld id="{1D8BD707-D9CF-40AE-B4C6-C98DA3205C09}" type="datetimeFigureOut">
               <a:rPr lang="en-US" smtClean="0"/>
               <a:pPr/>
-              <a:t>12/26/2013</a:t>
+              <a:t>12/27/2013</a:t>
             </a:fld>
             <a:endParaRPr lang="en-US"/>
           </a:p>
@@ -2744,7 +3181,7 @@
             <a:fld id="{1D8BD707-D9CF-40AE-B4C6-C98DA3205C09}" type="datetimeFigureOut">
               <a:rPr lang="en-US" smtClean="0"/>
               <a:pPr/>
-              <a:t>12/26/2013</a:t>
+              <a:t>12/27/2013</a:t>
             </a:fld>
             <a:endParaRPr lang="en-US"/>
           </a:p>
@@ -3135,9 +3572,8 @@
             <a:avLst/>
           </a:prstGeom>
           <a:solidFill>
-            <a:schemeClr val="tx1">
-              <a:lumMod val="50000"/>
-              <a:lumOff val="50000"/>
+            <a:schemeClr val="bg1">
+              <a:lumMod val="65000"/>
             </a:schemeClr>
           </a:solidFill>
           <a:ln>
@@ -3328,9 +3764,8 @@
             <a:avLst/>
           </a:prstGeom>
           <a:solidFill>
-            <a:schemeClr val="tx1">
-              <a:lumMod val="50000"/>
-              <a:lumOff val="50000"/>
+            <a:schemeClr val="bg1">
+              <a:lumMod val="65000"/>
             </a:schemeClr>
           </a:solidFill>
           <a:ln>
@@ -3473,9 +3908,8 @@
             <a:avLst/>
           </a:prstGeom>
           <a:solidFill>
-            <a:schemeClr val="tx1">
-              <a:lumMod val="50000"/>
-              <a:lumOff val="50000"/>
+            <a:schemeClr val="bg1">
+              <a:lumMod val="65000"/>
             </a:schemeClr>
           </a:solidFill>
           <a:ln>
@@ -3666,9 +4100,8 @@
             <a:avLst/>
           </a:prstGeom>
           <a:solidFill>
-            <a:schemeClr val="tx1">
-              <a:lumMod val="50000"/>
-              <a:lumOff val="50000"/>
+            <a:schemeClr val="bg1">
+              <a:lumMod val="65000"/>
             </a:schemeClr>
           </a:solidFill>
           <a:ln>
@@ -4323,41 +4756,34 @@
       </p:grpSpPr>
       <p:pic>
         <p:nvPicPr>
-          <p:cNvPr id="1026" name="Picture 2"/>
+          <p:cNvPr id="2" name="Picture 2"/>
           <p:cNvPicPr>
             <a:picLocks noChangeAspect="1" noChangeArrowheads="1"/>
           </p:cNvPicPr>
           <p:nvPr/>
         </p:nvPicPr>
-        <p:blipFill>
+        <p:blipFill rotWithShape="1">
           <a:blip r:embed="rId2">
+            <a:duotone>
+              <a:schemeClr val="bg2">
+                <a:shade val="45000"/>
+                <a:satMod val="135000"/>
+              </a:schemeClr>
+              <a:prstClr val="white"/>
+            </a:duotone>
             <a:extLst>
-              <a:ext uri="{BEBA8EAE-BF5A-486C-A8C5-ECC9F3942E4B}">
-                <a14:imgProps xmlns:a14="http://schemas.microsoft.com/office/drawing/2010/main">
-                  <a14:imgLayer r:embed="rId3">
-                    <a14:imgEffect>
-                      <a14:artisticLineDrawing/>
-                    </a14:imgEffect>
-                    <a14:imgEffect>
-                      <a14:saturation sat="0"/>
-                    </a14:imgEffect>
-                  </a14:imgLayer>
-                </a14:imgProps>
-              </a:ext>
               <a:ext uri="{28A0092B-C50C-407E-A947-70E740481C1C}">
                 <a14:useLocalDpi xmlns:a14="http://schemas.microsoft.com/office/drawing/2010/main" val="0"/>
               </a:ext>
             </a:extLst>
           </a:blip>
-          <a:srcRect/>
-          <a:stretch>
-            <a:fillRect/>
-          </a:stretch>
+          <a:srcRect l="-1" r="44675" b="44100"/>
+          <a:stretch/>
         </p:blipFill>
         <p:spPr bwMode="auto">
           <a:xfrm>
-            <a:off x="7495" y="32084"/>
-            <a:ext cx="9127959" cy="6822128"/>
+            <a:off x="0" y="0"/>
+            <a:ext cx="9144000" cy="6858000"/>
           </a:xfrm>
           <a:prstGeom prst="rect">
             <a:avLst/>
@@ -4389,27 +4815,27 @@
       </p:pic>
       <p:pic>
         <p:nvPicPr>
-          <p:cNvPr id="7" name="Picture 2"/>
+          <p:cNvPr id="8" name="Picture 2"/>
           <p:cNvPicPr>
             <a:picLocks noChangeAspect="1" noChangeArrowheads="1"/>
           </p:cNvPicPr>
           <p:nvPr/>
         </p:nvPicPr>
         <p:blipFill rotWithShape="1">
-          <a:blip r:embed="rId4">
+          <a:blip r:embed="rId2">
             <a:extLst>
               <a:ext uri="{28A0092B-C50C-407E-A947-70E740481C1C}">
                 <a14:useLocalDpi xmlns:a14="http://schemas.microsoft.com/office/drawing/2010/main" val="0"/>
               </a:ext>
             </a:extLst>
           </a:blip>
-          <a:srcRect l="760" t="6419" r="843" b="4517"/>
+          <a:srcRect l="1509" t="7981" r="44674" b="44099"/>
           <a:stretch/>
         </p:blipFill>
         <p:spPr bwMode="auto">
           <a:xfrm>
-            <a:off x="76912" y="470018"/>
-            <a:ext cx="8981630" cy="6076061"/>
+            <a:off x="249382" y="979054"/>
+            <a:ext cx="8894618" cy="5878946"/>
           </a:xfrm>
           <a:prstGeom prst="rect">
             <a:avLst/>
@@ -4418,6 +4844,9 @@
           <a:ln>
             <a:noFill/>
           </a:ln>
+          <a:effectLst>
+            <a:softEdge rad="31750"/>
+          </a:effectLst>
           <a:extLst>
             <a:ext uri="{909E8E84-426E-40DD-AFC4-6F175D3DCCD1}">
               <a14:hiddenFill xmlns:a14="http://schemas.microsoft.com/office/drawing/2010/main">
@@ -4439,68 +4868,16 @@
           </a:extLst>
         </p:spPr>
       </p:pic>
-      <p:pic>
-        <p:nvPicPr>
-          <p:cNvPr id="10" name="Picture 2"/>
-          <p:cNvPicPr>
-            <a:picLocks noChangeAspect="1" noChangeArrowheads="1"/>
-          </p:cNvPicPr>
-          <p:nvPr/>
-        </p:nvPicPr>
-        <p:blipFill rotWithShape="1">
-          <a:blip r:embed="rId4">
-            <a:extLst>
-              <a:ext uri="{28A0092B-C50C-407E-A947-70E740481C1C}">
-                <a14:useLocalDpi xmlns:a14="http://schemas.microsoft.com/office/drawing/2010/main" val="0"/>
-              </a:ext>
-            </a:extLst>
-          </a:blip>
-          <a:srcRect l="70524" t="3184" r="19271" b="93309"/>
-          <a:stretch/>
-        </p:blipFill>
-        <p:spPr bwMode="auto">
-          <a:xfrm>
-            <a:off x="6442282" y="253998"/>
-            <a:ext cx="931493" cy="239283"/>
-          </a:xfrm>
-          <a:prstGeom prst="rect">
-            <a:avLst/>
-          </a:prstGeom>
-          <a:noFill/>
-          <a:ln>
-            <a:noFill/>
-          </a:ln>
-          <a:extLst>
-            <a:ext uri="{909E8E84-426E-40DD-AFC4-6F175D3DCCD1}">
-              <a14:hiddenFill xmlns:a14="http://schemas.microsoft.com/office/drawing/2010/main">
-                <a:solidFill>
-                  <a:schemeClr val="accent1"/>
-                </a:solidFill>
-              </a14:hiddenFill>
-            </a:ext>
-            <a:ext uri="{91240B29-F687-4F45-9708-019B960494DF}">
-              <a14:hiddenLine xmlns:a14="http://schemas.microsoft.com/office/drawing/2010/main" w="9525">
-                <a:solidFill>
-                  <a:schemeClr val="tx1"/>
-                </a:solidFill>
-                <a:miter lim="800000"/>
-                <a:headEnd/>
-                <a:tailEnd/>
-              </a14:hiddenLine>
-            </a:ext>
-          </a:extLst>
-        </p:spPr>
-      </p:pic>
-      <p:sp>
-        <p:nvSpPr>
-          <p:cNvPr id="4" name="Rectangle 3"/>
+      <p:sp>
+        <p:nvSpPr>
+          <p:cNvPr id="3" name="Rectangle 2"/>
           <p:cNvSpPr/>
           <p:nvPr/>
         </p:nvSpPr>
         <p:spPr>
           <a:xfrm>
-            <a:off x="77478" y="247648"/>
-            <a:ext cx="7314488" cy="971552"/>
+            <a:off x="143164" y="496456"/>
+            <a:ext cx="9067800" cy="1990436"/>
           </a:xfrm>
           <a:custGeom>
             <a:avLst/>
@@ -4509,50 +4886,50 @@
             <a:cxnLst/>
             <a:rect l="l" t="t" r="r" b="b"/>
             <a:pathLst>
-              <a:path w="7314488" h="971552">
+              <a:path w="9067800" h="1990436">
                 <a:moveTo>
-                  <a:pt x="6402124" y="0"/>
+                  <a:pt x="101602" y="0"/>
                 </a:moveTo>
                 <a:lnTo>
-                  <a:pt x="7269243" y="0"/>
+                  <a:pt x="1660234" y="0"/>
                 </a:lnTo>
                 <a:cubicBezTo>
-                  <a:pt x="7294231" y="0"/>
-                  <a:pt x="7314488" y="20257"/>
-                  <a:pt x="7314488" y="45245"/>
+                  <a:pt x="1716347" y="0"/>
+                  <a:pt x="1761836" y="45489"/>
+                  <a:pt x="1761836" y="101602"/>
                 </a:cubicBezTo>
                 <a:lnTo>
-                  <a:pt x="7314488" y="222370"/>
+                  <a:pt x="1761836" y="454890"/>
                 </a:lnTo>
                 <a:lnTo>
-                  <a:pt x="7314488" y="457200"/>
+                  <a:pt x="9067800" y="454890"/>
                 </a:lnTo>
                 <a:lnTo>
-                  <a:pt x="7314488" y="971552"/>
+                  <a:pt x="9067800" y="1990436"/>
                 </a:lnTo>
                 <a:lnTo>
-                  <a:pt x="0" y="971552"/>
+                  <a:pt x="0" y="1990436"/>
                 </a:lnTo>
                 <a:lnTo>
-                  <a:pt x="0" y="222370"/>
+                  <a:pt x="0" y="609600"/>
                 </a:lnTo>
                 <a:lnTo>
-                  <a:pt x="6356879" y="222370"/>
+                  <a:pt x="0" y="454890"/>
                 </a:lnTo>
                 <a:lnTo>
-                  <a:pt x="6356879" y="45245"/>
+                  <a:pt x="0" y="101602"/>
                 </a:lnTo>
                 <a:cubicBezTo>
-                  <a:pt x="6356879" y="20257"/>
-                  <a:pt x="6377136" y="0"/>
-                  <a:pt x="6402124" y="0"/>
+                  <a:pt x="0" y="45489"/>
+                  <a:pt x="45489" y="0"/>
+                  <a:pt x="101602" y="0"/>
                 </a:cubicBezTo>
                 <a:close/>
               </a:path>
             </a:pathLst>
           </a:custGeom>
           <a:noFill/>
-          <a:ln>
+          <a:ln w="57150">
             <a:solidFill>
               <a:srgbClr val="0070C0"/>
             </a:solidFill>
@@ -4580,6 +4957,54 @@
           <a:p>
             <a:pPr algn="ctr"/>
             <a:endParaRPr lang="en-SG"/>
+          </a:p>
+        </p:txBody>
+      </p:sp>
+      <p:sp>
+        <p:nvSpPr>
+          <p:cNvPr id="6" name="TextBox 5"/>
+          <p:cNvSpPr txBox="1"/>
+          <p:nvPr/>
+        </p:nvSpPr>
+        <p:spPr>
+          <a:xfrm>
+            <a:off x="166258" y="517240"/>
+            <a:ext cx="1750290" cy="369332"/>
+          </a:xfrm>
+          <a:prstGeom prst="rect">
+            <a:avLst/>
+          </a:prstGeom>
+          <a:noFill/>
+        </p:spPr>
+        <p:txBody>
+          <a:bodyPr wrap="square" rtlCol="0">
+            <a:spAutoFit/>
+          </a:bodyPr>
+          <a:lstStyle/>
+          <a:p>
+            <a:r>
+              <a:rPr lang="en-US" sz="1800" b="1" dirty="0" err="1" smtClean="0">
+                <a:solidFill>
+                  <a:srgbClr val="0070C0"/>
+                </a:solidFill>
+                <a:effectLst>
+                  <a:glow rad="165100">
+                    <a:schemeClr val="bg1"/>
+                  </a:glow>
+                </a:effectLst>
+              </a:rPr>
+              <a:t>PowerPointLabs</a:t>
+            </a:r>
+            <a:endParaRPr lang="en-SG" sz="1800" b="1" dirty="0">
+              <a:solidFill>
+                <a:srgbClr val="0070C0"/>
+              </a:solidFill>
+              <a:effectLst>
+                <a:glow rad="165100">
+                  <a:schemeClr val="bg1"/>
+                </a:glow>
+              </a:effectLst>
+            </a:endParaRPr>
           </a:p>
         </p:txBody>
       </p:sp>
@@ -4886,4 +5311,289 @@
   <a:objectDefaults/>
   <a:extraClrSchemeLst/>
 </a:theme>
+</file>
+
+<file path=ppt/theme/theme2.xml><?xml version="1.0" encoding="utf-8"?>
+<a:theme xmlns:a="http://schemas.openxmlformats.org/drawingml/2006/main" name="Office Theme">
+  <a:themeElements>
+    <a:clrScheme name="Office">
+      <a:dk1>
+        <a:sysClr val="windowText" lastClr="000000"/>
+      </a:dk1>
+      <a:lt1>
+        <a:sysClr val="window" lastClr="FFFFFF"/>
+      </a:lt1>
+      <a:dk2>
+        <a:srgbClr val="1F497D"/>
+      </a:dk2>
+      <a:lt2>
+        <a:srgbClr val="EEECE1"/>
+      </a:lt2>
+      <a:accent1>
+        <a:srgbClr val="4F81BD"/>
+      </a:accent1>
+      <a:accent2>
+        <a:srgbClr val="C0504D"/>
+      </a:accent2>
+      <a:accent3>
+        <a:srgbClr val="9BBB59"/>
+      </a:accent3>
+      <a:accent4>
+        <a:srgbClr val="8064A2"/>
+      </a:accent4>
+      <a:accent5>
+        <a:srgbClr val="4BACC6"/>
+      </a:accent5>
+      <a:accent6>
+        <a:srgbClr val="F79646"/>
+      </a:accent6>
+      <a:hlink>
+        <a:srgbClr val="0000FF"/>
+      </a:hlink>
+      <a:folHlink>
+        <a:srgbClr val="800080"/>
+      </a:folHlink>
+    </a:clrScheme>
+    <a:fontScheme name="Office">
+      <a:majorFont>
+        <a:latin typeface="Calibri"/>
+        <a:ea typeface=""/>
+        <a:cs typeface=""/>
+        <a:font script="Jpan" typeface="ＭＳ Ｐゴシック"/>
+        <a:font script="Hang" typeface="맑은 고딕"/>
+        <a:font script="Hans" typeface="宋体"/>
+        <a:font script="Hant" typeface="新細明體"/>
+        <a:font script="Arab" typeface="Times New Roman"/>
+        <a:font script="Hebr" typeface="Times New Roman"/>
+        <a:font script="Thai" typeface="Angsana New"/>
+        <a:font script="Ethi" typeface="Nyala"/>
+        <a:font script="Beng" typeface="Vrinda"/>
+        <a:font script="Gujr" typeface="Shruti"/>
+        <a:font script="Khmr" typeface="MoolBoran"/>
+        <a:font script="Knda" typeface="Tunga"/>
+        <a:font script="Guru" typeface="Raavi"/>
+        <a:font script="Cans" typeface="Euphemia"/>
+        <a:font script="Cher" typeface="Plantagenet Cherokee"/>
+        <a:font script="Yiii" typeface="Microsoft Yi Baiti"/>
+        <a:font script="Tibt" typeface="Microsoft Himalaya"/>
+        <a:font script="Thaa" typeface="MV Boli"/>
+        <a:font script="Deva" typeface="Mangal"/>
+        <a:font script="Telu" typeface="Gautami"/>
+        <a:font script="Taml" typeface="Latha"/>
+        <a:font script="Syrc" typeface="Estrangelo Edessa"/>
+        <a:font script="Orya" typeface="Kalinga"/>
+        <a:font script="Mlym" typeface="Kartika"/>
+        <a:font script="Laoo" typeface="DokChampa"/>
+        <a:font script="Sinh" typeface="Iskoola Pota"/>
+        <a:font script="Mong" typeface="Mongolian Baiti"/>
+        <a:font script="Viet" typeface="Times New Roman"/>
+        <a:font script="Uigh" typeface="Microsoft Uighur"/>
+        <a:font script="Geor" typeface="Sylfaen"/>
+      </a:majorFont>
+      <a:minorFont>
+        <a:latin typeface="Calibri"/>
+        <a:ea typeface=""/>
+        <a:cs typeface=""/>
+        <a:font script="Jpan" typeface="ＭＳ Ｐゴシック"/>
+        <a:font script="Hang" typeface="맑은 고딕"/>
+        <a:font script="Hans" typeface="宋体"/>
+        <a:font script="Hant" typeface="新細明體"/>
+        <a:font script="Arab" typeface="Arial"/>
+        <a:font script="Hebr" typeface="Arial"/>
+        <a:font script="Thai" typeface="Cordia New"/>
+        <a:font script="Ethi" typeface="Nyala"/>
+        <a:font script="Beng" typeface="Vrinda"/>
+        <a:font script="Gujr" typeface="Shruti"/>
+        <a:font script="Khmr" typeface="DaunPenh"/>
+        <a:font script="Knda" typeface="Tunga"/>
+        <a:font script="Guru" typeface="Raavi"/>
+        <a:font script="Cans" typeface="Euphemia"/>
+        <a:font script="Cher" typeface="Plantagenet Cherokee"/>
+        <a:font script="Yiii" typeface="Microsoft Yi Baiti"/>
+        <a:font script="Tibt" typeface="Microsoft Himalaya"/>
+        <a:font script="Thaa" typeface="MV Boli"/>
+        <a:font script="Deva" typeface="Mangal"/>
+        <a:font script="Telu" typeface="Gautami"/>
+        <a:font script="Taml" typeface="Latha"/>
+        <a:font script="Syrc" typeface="Estrangelo Edessa"/>
+        <a:font script="Orya" typeface="Kalinga"/>
+        <a:font script="Mlym" typeface="Kartika"/>
+        <a:font script="Laoo" typeface="DokChampa"/>
+        <a:font script="Sinh" typeface="Iskoola Pota"/>
+        <a:font script="Mong" typeface="Mongolian Baiti"/>
+        <a:font script="Viet" typeface="Arial"/>
+        <a:font script="Uigh" typeface="Microsoft Uighur"/>
+        <a:font script="Geor" typeface="Sylfaen"/>
+      </a:minorFont>
+    </a:fontScheme>
+    <a:fmtScheme name="Office">
+      <a:fillStyleLst>
+        <a:solidFill>
+          <a:schemeClr val="phClr"/>
+        </a:solidFill>
+        <a:gradFill rotWithShape="1">
+          <a:gsLst>
+            <a:gs pos="0">
+              <a:schemeClr val="phClr">
+                <a:tint val="50000"/>
+                <a:satMod val="300000"/>
+              </a:schemeClr>
+            </a:gs>
+            <a:gs pos="35000">
+              <a:schemeClr val="phClr">
+                <a:tint val="37000"/>
+                <a:satMod val="300000"/>
+              </a:schemeClr>
+            </a:gs>
+            <a:gs pos="100000">
+              <a:schemeClr val="phClr">
+                <a:tint val="15000"/>
+                <a:satMod val="350000"/>
+              </a:schemeClr>
+            </a:gs>
+          </a:gsLst>
+          <a:lin ang="16200000" scaled="1"/>
+        </a:gradFill>
+        <a:gradFill rotWithShape="1">
+          <a:gsLst>
+            <a:gs pos="0">
+              <a:schemeClr val="phClr">
+                <a:shade val="51000"/>
+                <a:satMod val="130000"/>
+              </a:schemeClr>
+            </a:gs>
+            <a:gs pos="80000">
+              <a:schemeClr val="phClr">
+                <a:shade val="93000"/>
+                <a:satMod val="130000"/>
+              </a:schemeClr>
+            </a:gs>
+            <a:gs pos="100000">
+              <a:schemeClr val="phClr">
+                <a:shade val="94000"/>
+                <a:satMod val="135000"/>
+              </a:schemeClr>
+            </a:gs>
+          </a:gsLst>
+          <a:lin ang="16200000" scaled="0"/>
+        </a:gradFill>
+      </a:fillStyleLst>
+      <a:lnStyleLst>
+        <a:ln w="9525" cap="flat" cmpd="sng" algn="ctr">
+          <a:solidFill>
+            <a:schemeClr val="phClr">
+              <a:shade val="95000"/>
+              <a:satMod val="105000"/>
+            </a:schemeClr>
+          </a:solidFill>
+          <a:prstDash val="solid"/>
+        </a:ln>
+        <a:ln w="25400" cap="flat" cmpd="sng" algn="ctr">
+          <a:solidFill>
+            <a:schemeClr val="phClr"/>
+          </a:solidFill>
+          <a:prstDash val="solid"/>
+        </a:ln>
+        <a:ln w="38100" cap="flat" cmpd="sng" algn="ctr">
+          <a:solidFill>
+            <a:schemeClr val="phClr"/>
+          </a:solidFill>
+          <a:prstDash val="solid"/>
+        </a:ln>
+      </a:lnStyleLst>
+      <a:effectStyleLst>
+        <a:effectStyle>
+          <a:effectLst>
+            <a:outerShdw blurRad="40000" dist="20000" dir="5400000" rotWithShape="0">
+              <a:srgbClr val="000000">
+                <a:alpha val="38000"/>
+              </a:srgbClr>
+            </a:outerShdw>
+          </a:effectLst>
+        </a:effectStyle>
+        <a:effectStyle>
+          <a:effectLst>
+            <a:outerShdw blurRad="40000" dist="23000" dir="5400000" rotWithShape="0">
+              <a:srgbClr val="000000">
+                <a:alpha val="35000"/>
+              </a:srgbClr>
+            </a:outerShdw>
+          </a:effectLst>
+        </a:effectStyle>
+        <a:effectStyle>
+          <a:effectLst>
+            <a:outerShdw blurRad="40000" dist="23000" dir="5400000" rotWithShape="0">
+              <a:srgbClr val="000000">
+                <a:alpha val="35000"/>
+              </a:srgbClr>
+            </a:outerShdw>
+          </a:effectLst>
+          <a:scene3d>
+            <a:camera prst="orthographicFront">
+              <a:rot lat="0" lon="0" rev="0"/>
+            </a:camera>
+            <a:lightRig rig="threePt" dir="t">
+              <a:rot lat="0" lon="0" rev="1200000"/>
+            </a:lightRig>
+          </a:scene3d>
+          <a:sp3d>
+            <a:bevelT w="63500" h="25400"/>
+          </a:sp3d>
+        </a:effectStyle>
+      </a:effectStyleLst>
+      <a:bgFillStyleLst>
+        <a:solidFill>
+          <a:schemeClr val="phClr"/>
+        </a:solidFill>
+        <a:gradFill rotWithShape="1">
+          <a:gsLst>
+            <a:gs pos="0">
+              <a:schemeClr val="phClr">
+                <a:tint val="40000"/>
+                <a:satMod val="350000"/>
+              </a:schemeClr>
+            </a:gs>
+            <a:gs pos="40000">
+              <a:schemeClr val="phClr">
+                <a:tint val="45000"/>
+                <a:shade val="99000"/>
+                <a:satMod val="350000"/>
+              </a:schemeClr>
+            </a:gs>
+            <a:gs pos="100000">
+              <a:schemeClr val="phClr">
+                <a:shade val="20000"/>
+                <a:satMod val="255000"/>
+              </a:schemeClr>
+            </a:gs>
+          </a:gsLst>
+          <a:path path="circle">
+            <a:fillToRect l="50000" t="-80000" r="50000" b="180000"/>
+          </a:path>
+        </a:gradFill>
+        <a:gradFill rotWithShape="1">
+          <a:gsLst>
+            <a:gs pos="0">
+              <a:schemeClr val="phClr">
+                <a:tint val="80000"/>
+                <a:satMod val="300000"/>
+              </a:schemeClr>
+            </a:gs>
+            <a:gs pos="100000">
+              <a:schemeClr val="phClr">
+                <a:shade val="30000"/>
+                <a:satMod val="200000"/>
+              </a:schemeClr>
+            </a:gs>
+          </a:gsLst>
+          <a:path path="circle">
+            <a:fillToRect l="50000" t="50000" r="50000" b="50000"/>
+          </a:path>
+        </a:gradFill>
+      </a:bgFillStyleLst>
+    </a:fmtScheme>
+  </a:themeElements>
+  <a:objectDefaults/>
+  <a:extraClrSchemeLst/>
+</a:theme>
 </file>